--- a/Sample Presentation.pptx
+++ b/Sample Presentation.pptx
@@ -450,7 +450,7 @@
                   <a:srgbClr val="363636"/>
                 </a:solidFill>
               </a:rPr>
-              <a:t>sfhalsjflj</a:t>
+              <a:t>Ok</a:t>
             </a:r>
             <a:endParaRPr lang="en-US" dirty="0"/>
           </a:p>
